--- a/презентация.pptx
+++ b/презентация.pptx
@@ -10,7 +10,6 @@
     <p:sldId id="258" r:id="rId4"/>
     <p:sldId id="261" r:id="rId5"/>
     <p:sldId id="262" r:id="rId6"/>
-    <p:sldId id="263" r:id="rId7"/>
   </p:sldIdLst>
   <p:sldSz cx="12192000" cy="6858000"/>
   <p:notesSz cx="6858000" cy="9144000"/>
@@ -3462,6 +3461,99 @@
           </a:p>
         </p:txBody>
       </p:sp>
+      <p:sp>
+        <p:nvSpPr>
+          <p:cNvPr id="3" name="Прямоугольник 2">
+            <a:extLst>
+              <a:ext uri="{FF2B5EF4-FFF2-40B4-BE49-F238E27FC236}">
+                <a16:creationId xmlns:a16="http://schemas.microsoft.com/office/drawing/2014/main" id="{1DB6B5BB-D00F-49B7-B0F6-83B64DB8B98F}"/>
+              </a:ext>
+            </a:extLst>
+          </p:cNvPr>
+          <p:cNvSpPr/>
+          <p:nvPr/>
+        </p:nvSpPr>
+        <p:spPr>
+          <a:xfrm>
+            <a:off x="3586353" y="6273225"/>
+            <a:ext cx="8443722" cy="584775"/>
+          </a:xfrm>
+          <a:prstGeom prst="rect">
+            <a:avLst/>
+          </a:prstGeom>
+          <a:noFill/>
+        </p:spPr>
+        <p:txBody>
+          <a:bodyPr wrap="none" lIns="91440" tIns="45720" rIns="91440" bIns="45720">
+            <a:spAutoFit/>
+          </a:bodyPr>
+          <a:lstStyle/>
+          <a:p>
+            <a:pPr algn="ctr"/>
+            <a:r>
+              <a:rPr lang="ru-RU" sz="3200" b="1" cap="none" spc="0" dirty="0">
+                <a:ln w="0"/>
+                <a:solidFill>
+                  <a:schemeClr val="bg1"/>
+                </a:solidFill>
+                <a:effectLst>
+                  <a:outerShdw blurRad="38100" dist="19050" dir="2700000" algn="tl" rotWithShape="0">
+                    <a:schemeClr val="dk1">
+                      <a:alpha val="40000"/>
+                    </a:schemeClr>
+                  </a:outerShdw>
+                </a:effectLst>
+              </a:rPr>
+              <a:t>Авторы: Вадим </a:t>
+            </a:r>
+            <a:r>
+              <a:rPr lang="ru-RU" sz="3200" b="1" cap="none" spc="0" dirty="0" err="1">
+                <a:ln w="0"/>
+                <a:solidFill>
+                  <a:schemeClr val="bg1"/>
+                </a:solidFill>
+                <a:effectLst>
+                  <a:outerShdw blurRad="38100" dist="19050" dir="2700000" algn="tl" rotWithShape="0">
+                    <a:schemeClr val="dk1">
+                      <a:alpha val="40000"/>
+                    </a:schemeClr>
+                  </a:outerShdw>
+                </a:effectLst>
+              </a:rPr>
+              <a:t>Тюкачев</a:t>
+            </a:r>
+            <a:r>
+              <a:rPr lang="ru-RU" sz="3200" b="1" dirty="0">
+                <a:ln w="0"/>
+                <a:solidFill>
+                  <a:schemeClr val="bg1"/>
+                </a:solidFill>
+                <a:effectLst>
+                  <a:outerShdw blurRad="38100" dist="19050" dir="2700000" algn="tl" rotWithShape="0">
+                    <a:schemeClr val="dk1">
+                      <a:alpha val="40000"/>
+                    </a:schemeClr>
+                  </a:outerShdw>
+                </a:effectLst>
+              </a:rPr>
+              <a:t>, Артём Пшеничников</a:t>
+            </a:r>
+            <a:endParaRPr lang="ru-RU" sz="3200" b="1" cap="none" spc="0" dirty="0">
+              <a:ln w="0"/>
+              <a:solidFill>
+                <a:schemeClr val="bg1"/>
+              </a:solidFill>
+              <a:effectLst>
+                <a:outerShdw blurRad="38100" dist="19050" dir="2700000" algn="tl" rotWithShape="0">
+                  <a:schemeClr val="dk1">
+                    <a:alpha val="40000"/>
+                  </a:schemeClr>
+                </a:outerShdw>
+              </a:effectLst>
+            </a:endParaRPr>
+          </a:p>
+        </p:txBody>
+      </p:sp>
     </p:spTree>
     <p:extLst>
       <p:ext uri="{BB962C8B-B14F-4D97-AF65-F5344CB8AC3E}">
@@ -3528,6 +3620,41 @@
                                   </p:childTnLst>
                                 </p:cTn>
                               </p:par>
+                              <p:par>
+                                <p:cTn id="7" presetID="10" presetClass="entr" presetSubtype="0" fill="hold" grpId="0" nodeType="withEffect">
+                                  <p:stCondLst>
+                                    <p:cond delay="0"/>
+                                  </p:stCondLst>
+                                  <p:childTnLst>
+                                    <p:set>
+                                      <p:cBhvr>
+                                        <p:cTn id="8" dur="1" fill="hold">
+                                          <p:stCondLst>
+                                            <p:cond delay="0"/>
+                                          </p:stCondLst>
+                                        </p:cTn>
+                                        <p:tgtEl>
+                                          <p:spTgt spid="3"/>
+                                        </p:tgtEl>
+                                        <p:attrNameLst>
+                                          <p:attrName>style.visibility</p:attrName>
+                                        </p:attrNameLst>
+                                      </p:cBhvr>
+                                      <p:to>
+                                        <p:strVal val="visible"/>
+                                      </p:to>
+                                    </p:set>
+                                    <p:animEffect transition="in" filter="fade">
+                                      <p:cBhvr>
+                                        <p:cTn id="9" dur="500"/>
+                                        <p:tgtEl>
+                                          <p:spTgt spid="3"/>
+                                        </p:tgtEl>
+                                      </p:cBhvr>
+                                    </p:animEffect>
+                                  </p:childTnLst>
+                                </p:cTn>
+                              </p:par>
                             </p:childTnLst>
                           </p:cTn>
                         </p:par>
@@ -3557,6 +3684,7 @@
     </p:tnLst>
     <p:bldLst>
       <p:bldP spid="2" grpId="0"/>
+      <p:bldP spid="3" grpId="0"/>
     </p:bldLst>
   </p:timing>
 </p:sld>
@@ -3678,14 +3806,14 @@
           <p:nvPr>
             <p:extLst>
               <p:ext uri="{D42A27DB-BD31-4B8C-83A1-F6EECF244321}">
-                <p14:modId xmlns:p14="http://schemas.microsoft.com/office/powerpoint/2010/main" val="3007204945"/>
+                <p14:modId xmlns:p14="http://schemas.microsoft.com/office/powerpoint/2010/main" val="1426443689"/>
               </p:ext>
             </p:extLst>
           </p:nvPr>
         </p:nvGraphicFramePr>
         <p:xfrm>
           <a:off x="501649" y="1744972"/>
-          <a:ext cx="11185526" cy="4827280"/>
+          <a:ext cx="11185526" cy="3861824"/>
         </p:xfrm>
         <a:graphic>
           <a:graphicData uri="http://schemas.openxmlformats.org/drawingml/2006/table">
@@ -3739,40 +3867,6 @@
                 <a:extLst>
                   <a:ext uri="{0D108BD9-81ED-4DB2-BD59-A6C34878D82A}">
                     <a16:rowId xmlns:a16="http://schemas.microsoft.com/office/drawing/2014/main" val="364041115"/>
-                  </a:ext>
-                </a:extLst>
-              </a:tr>
-              <a:tr h="482728">
-                <a:tc>
-                  <a:txBody>
-                    <a:bodyPr/>
-                    <a:lstStyle/>
-                    <a:p>
-                      <a:r>
-                        <a:rPr lang="en-US" sz="2400" dirty="0"/>
-                        <a:t>commands.py</a:t>
-                      </a:r>
-                      <a:endParaRPr lang="ru-RU" sz="2400" dirty="0"/>
-                    </a:p>
-                  </a:txBody>
-                  <a:tcPr/>
-                </a:tc>
-                <a:tc>
-                  <a:txBody>
-                    <a:bodyPr/>
-                    <a:lstStyle/>
-                    <a:p>
-                      <a:r>
-                        <a:rPr lang="ru-RU" sz="2400" dirty="0"/>
-                        <a:t>Команды бота</a:t>
-                      </a:r>
-                    </a:p>
-                  </a:txBody>
-                  <a:tcPr/>
-                </a:tc>
-                <a:extLst>
-                  <a:ext uri="{0D108BD9-81ED-4DB2-BD59-A6C34878D82A}">
-                    <a16:rowId xmlns:a16="http://schemas.microsoft.com/office/drawing/2014/main" val="3889822486"/>
                   </a:ext>
                 </a:extLst>
               </a:tr>
@@ -3875,40 +3969,6 @@
                 <a:extLst>
                   <a:ext uri="{0D108BD9-81ED-4DB2-BD59-A6C34878D82A}">
                     <a16:rowId xmlns:a16="http://schemas.microsoft.com/office/drawing/2014/main" val="3033375845"/>
-                  </a:ext>
-                </a:extLst>
-              </a:tr>
-              <a:tr h="482728">
-                <a:tc>
-                  <a:txBody>
-                    <a:bodyPr/>
-                    <a:lstStyle/>
-                    <a:p>
-                      <a:r>
-                        <a:rPr lang="en-US" sz="2400" dirty="0"/>
-                        <a:t>ttt.py</a:t>
-                      </a:r>
-                      <a:endParaRPr lang="ru-RU" sz="2400" dirty="0"/>
-                    </a:p>
-                  </a:txBody>
-                  <a:tcPr/>
-                </a:tc>
-                <a:tc>
-                  <a:txBody>
-                    <a:bodyPr/>
-                    <a:lstStyle/>
-                    <a:p>
-                      <a:r>
-                        <a:rPr lang="ru-RU" sz="2400" dirty="0"/>
-                        <a:t>Крестики-нолики</a:t>
-                      </a:r>
-                    </a:p>
-                  </a:txBody>
-                  <a:tcPr/>
-                </a:tc>
-                <a:extLst>
-                  <a:ext uri="{0D108BD9-81ED-4DB2-BD59-A6C34878D82A}">
-                    <a16:rowId xmlns:a16="http://schemas.microsoft.com/office/drawing/2014/main" val="1487810855"/>
                   </a:ext>
                 </a:extLst>
               </a:tr>
@@ -4281,12 +4341,12 @@
           <a:lstStyle/>
           <a:p>
             <a:r>
-              <a:rPr lang="ru-RU" dirty="0">
+              <a:rPr lang="ru-RU" b="1" dirty="0">
                 <a:solidFill>
                   <a:schemeClr val="bg1"/>
                 </a:solidFill>
               </a:rPr>
-              <a:t>Классы и функции</a:t>
+              <a:t>Классы</a:t>
             </a:r>
           </a:p>
         </p:txBody>
@@ -4306,14 +4366,14 @@
           <p:nvPr>
             <p:extLst>
               <p:ext uri="{D42A27DB-BD31-4B8C-83A1-F6EECF244321}">
-                <p14:modId xmlns:p14="http://schemas.microsoft.com/office/powerpoint/2010/main" val="2195927396"/>
+                <p14:modId xmlns:p14="http://schemas.microsoft.com/office/powerpoint/2010/main" val="2669051548"/>
               </p:ext>
             </p:extLst>
           </p:nvPr>
         </p:nvGraphicFramePr>
         <p:xfrm>
           <a:off x="495300" y="1744972"/>
-          <a:ext cx="11191875" cy="2896368"/>
+          <a:ext cx="11191875" cy="2413640"/>
         </p:xfrm>
         <a:graphic>
           <a:graphicData uri="http://schemas.openxmlformats.org/drawingml/2006/table">
@@ -4345,7 +4405,7 @@
                     <a:p>
                       <a:r>
                         <a:rPr lang="ru-RU" sz="2400" dirty="0"/>
-                        <a:t>Класс\функция</a:t>
+                        <a:t>Класс</a:t>
                       </a:r>
                     </a:p>
                   </a:txBody>
@@ -4367,60 +4427,6 @@
                 <a:extLst>
                   <a:ext uri="{0D108BD9-81ED-4DB2-BD59-A6C34878D82A}">
                     <a16:rowId xmlns:a16="http://schemas.microsoft.com/office/drawing/2014/main" val="364041115"/>
-                  </a:ext>
-                </a:extLst>
-              </a:tr>
-              <a:tr h="482728">
-                <a:tc>
-                  <a:txBody>
-                    <a:bodyPr/>
-                    <a:lstStyle/>
-                    <a:p>
-                      <a:r>
-                        <a:rPr lang="en-US" sz="1800" kern="1200" dirty="0">
-                          <a:solidFill>
-                            <a:schemeClr val="dk1"/>
-                          </a:solidFill>
-                          <a:effectLst/>
-                          <a:latin typeface="+mn-lt"/>
-                          <a:ea typeface="+mn-ea"/>
-                          <a:cs typeface="+mn-cs"/>
-                        </a:rPr>
-                        <a:t>def </a:t>
-                      </a:r>
-                      <a:r>
-                        <a:rPr lang="en-US" sz="1800" kern="1200" dirty="0" err="1">
-                          <a:solidFill>
-                            <a:schemeClr val="dk1"/>
-                          </a:solidFill>
-                          <a:effectLst/>
-                          <a:latin typeface="+mn-lt"/>
-                          <a:ea typeface="+mn-ea"/>
-                          <a:cs typeface="+mn-cs"/>
-                        </a:rPr>
-                        <a:t>global_init</a:t>
-                      </a:r>
-                      <a:endParaRPr lang="ru-RU" sz="2400" dirty="0"/>
-                    </a:p>
-                  </a:txBody>
-                  <a:tcPr/>
-                </a:tc>
-                <a:tc>
-                  <a:txBody>
-                    <a:bodyPr/>
-                    <a:lstStyle/>
-                    <a:p>
-                      <a:r>
-                        <a:rPr lang="ru-RU" sz="2400" dirty="0"/>
-                        <a:t>Подключение к базе данных</a:t>
-                      </a:r>
-                    </a:p>
-                  </a:txBody>
-                  <a:tcPr/>
-                </a:tc>
-                <a:extLst>
-                  <a:ext uri="{0D108BD9-81ED-4DB2-BD59-A6C34878D82A}">
-                    <a16:rowId xmlns:a16="http://schemas.microsoft.com/office/drawing/2014/main" val="3889822486"/>
                   </a:ext>
                 </a:extLst>
               </a:tr>
@@ -4580,7 +4586,7 @@
         </p:nvSpPr>
         <p:spPr>
           <a:xfrm>
-            <a:off x="400050" y="2864160"/>
+            <a:off x="390525" y="2387600"/>
             <a:ext cx="9144000" cy="2387600"/>
           </a:xfrm>
           <a:prstGeom prst="rect">
@@ -6070,524 +6076,6 @@
 </p:sld>
 </file>
 
-<file path=ppt/slides/slide6.xml><?xml version="1.0" encoding="utf-8"?>
-<p:sld xmlns:a="http://schemas.openxmlformats.org/drawingml/2006/main" xmlns:r="http://schemas.openxmlformats.org/officeDocument/2006/relationships" xmlns:p="http://schemas.openxmlformats.org/presentationml/2006/main">
-  <p:cSld>
-    <p:spTree>
-      <p:nvGrpSpPr>
-        <p:cNvPr id="1" name=""/>
-        <p:cNvGrpSpPr/>
-        <p:nvPr/>
-      </p:nvGrpSpPr>
-      <p:grpSpPr>
-        <a:xfrm>
-          <a:off x="0" y="0"/>
-          <a:ext cx="0" cy="0"/>
-          <a:chOff x="0" y="0"/>
-          <a:chExt cx="0" cy="0"/>
-        </a:xfrm>
-      </p:grpSpPr>
-      <p:pic>
-        <p:nvPicPr>
-          <p:cNvPr id="5" name="Рисунок 4">
-            <a:extLst>
-              <a:ext uri="{FF2B5EF4-FFF2-40B4-BE49-F238E27FC236}">
-                <a16:creationId xmlns:a16="http://schemas.microsoft.com/office/drawing/2014/main" id="{04999FCA-4F73-4E21-B9EC-D92B9673CEC4}"/>
-              </a:ext>
-            </a:extLst>
-          </p:cNvPr>
-          <p:cNvPicPr>
-            <a:picLocks noChangeAspect="1"/>
-          </p:cNvPicPr>
-          <p:nvPr/>
-        </p:nvPicPr>
-        <p:blipFill>
-          <a:blip r:embed="rId2" cstate="email">
-            <a:extLst>
-              <a:ext uri="{BEBA8EAE-BF5A-486C-A8C5-ECC9F3942E4B}">
-                <a14:imgProps xmlns:a14="http://schemas.microsoft.com/office/drawing/2010/main">
-                  <a14:imgLayer r:embed="rId3">
-                    <a14:imgEffect>
-                      <a14:brightnessContrast bright="-40000" contrast="20000"/>
-                    </a14:imgEffect>
-                  </a14:imgLayer>
-                </a14:imgProps>
-              </a:ext>
-              <a:ext uri="{28A0092B-C50C-407E-A947-70E740481C1C}">
-                <a14:useLocalDpi xmlns:a14="http://schemas.microsoft.com/office/drawing/2010/main"/>
-              </a:ext>
-            </a:extLst>
-          </a:blip>
-          <a:stretch>
-            <a:fillRect/>
-          </a:stretch>
-        </p:blipFill>
-        <p:spPr>
-          <a:xfrm>
-            <a:off x="0" y="0"/>
-            <a:ext cx="12192000" cy="7011338"/>
-          </a:xfrm>
-          <a:prstGeom prst="rect">
-            <a:avLst/>
-          </a:prstGeom>
-        </p:spPr>
-      </p:pic>
-      <p:sp>
-        <p:nvSpPr>
-          <p:cNvPr id="2" name="Заголовок 1">
-            <a:extLst>
-              <a:ext uri="{FF2B5EF4-FFF2-40B4-BE49-F238E27FC236}">
-                <a16:creationId xmlns:a16="http://schemas.microsoft.com/office/drawing/2014/main" id="{DC802582-9FDB-44B4-BD11-A4D6E84384D7}"/>
-              </a:ext>
-            </a:extLst>
-          </p:cNvPr>
-          <p:cNvSpPr>
-            <a:spLocks noGrp="1"/>
-          </p:cNvSpPr>
-          <p:nvPr>
-            <p:ph type="ctrTitle"/>
-          </p:nvPr>
-        </p:nvSpPr>
-        <p:spPr>
-          <a:xfrm>
-            <a:off x="323022" y="-1065496"/>
-            <a:ext cx="10393017" cy="3122896"/>
-          </a:xfrm>
-        </p:spPr>
-        <p:txBody>
-          <a:bodyPr>
-            <a:noAutofit/>
-          </a:bodyPr>
-          <a:lstStyle/>
-          <a:p>
-            <a:r>
-              <a:rPr lang="ru-RU" b="1" dirty="0">
-                <a:solidFill>
-                  <a:schemeClr val="bg1"/>
-                </a:solidFill>
-              </a:rPr>
-              <a:t>Приобретайте нашего бота и используйте на своём сервере!</a:t>
-            </a:r>
-          </a:p>
-        </p:txBody>
-      </p:sp>
-      <p:sp>
-        <p:nvSpPr>
-          <p:cNvPr id="4" name="Прямоугольник 3">
-            <a:extLst>
-              <a:ext uri="{FF2B5EF4-FFF2-40B4-BE49-F238E27FC236}">
-                <a16:creationId xmlns:a16="http://schemas.microsoft.com/office/drawing/2014/main" id="{3DC0F5D9-E2A4-419E-8D5C-FB8919925BE5}"/>
-              </a:ext>
-            </a:extLst>
-          </p:cNvPr>
-          <p:cNvSpPr/>
-          <p:nvPr/>
-        </p:nvSpPr>
-        <p:spPr>
-          <a:xfrm>
-            <a:off x="646044" y="2997652"/>
-            <a:ext cx="3955773" cy="2638087"/>
-          </a:xfrm>
-          <a:prstGeom prst="rect">
-            <a:avLst/>
-          </a:prstGeom>
-          <a:solidFill>
-            <a:schemeClr val="bg1">
-              <a:lumMod val="75000"/>
-              <a:alpha val="40000"/>
-            </a:schemeClr>
-          </a:solidFill>
-          <a:ln>
-            <a:noFill/>
-          </a:ln>
-        </p:spPr>
-        <p:style>
-          <a:lnRef idx="2">
-            <a:schemeClr val="accent1">
-              <a:shade val="50000"/>
-            </a:schemeClr>
-          </a:lnRef>
-          <a:fillRef idx="1">
-            <a:schemeClr val="accent1"/>
-          </a:fillRef>
-          <a:effectRef idx="0">
-            <a:schemeClr val="accent1"/>
-          </a:effectRef>
-          <a:fontRef idx="minor">
-            <a:schemeClr val="lt1"/>
-          </a:fontRef>
-        </p:style>
-        <p:txBody>
-          <a:bodyPr rtlCol="0" anchor="ctr"/>
-          <a:lstStyle/>
-          <a:p>
-            <a:pPr algn="ctr"/>
-            <a:endParaRPr lang="ru-RU"/>
-          </a:p>
-        </p:txBody>
-      </p:sp>
-      <p:sp>
-        <p:nvSpPr>
-          <p:cNvPr id="6" name="Заголовок 1">
-            <a:extLst>
-              <a:ext uri="{FF2B5EF4-FFF2-40B4-BE49-F238E27FC236}">
-                <a16:creationId xmlns:a16="http://schemas.microsoft.com/office/drawing/2014/main" id="{A6F06E48-92A9-4DA2-BE7E-C821C61321DB}"/>
-              </a:ext>
-            </a:extLst>
-          </p:cNvPr>
-          <p:cNvSpPr txBox="1">
-            <a:spLocks/>
-          </p:cNvSpPr>
-          <p:nvPr/>
-        </p:nvSpPr>
-        <p:spPr>
-          <a:xfrm>
-            <a:off x="646043" y="2997652"/>
-            <a:ext cx="3955773" cy="2387600"/>
-          </a:xfrm>
-          <a:prstGeom prst="rect">
-            <a:avLst/>
-          </a:prstGeom>
-        </p:spPr>
-        <p:txBody>
-          <a:bodyPr vert="horz" lIns="91440" tIns="45720" rIns="91440" bIns="45720" rtlCol="0" anchor="b">
-            <a:normAutofit fontScale="90000" lnSpcReduction="10000"/>
-          </a:bodyPr>
-          <a:lstStyle>
-            <a:lvl1pPr algn="ctr" defTabSz="914400" rtl="0" eaLnBrk="1" latinLnBrk="0" hangingPunct="1">
-              <a:lnSpc>
-                <a:spcPct val="90000"/>
-              </a:lnSpc>
-              <a:spcBef>
-                <a:spcPct val="0"/>
-              </a:spcBef>
-              <a:buNone/>
-              <a:defRPr sz="6000" kern="1200">
-                <a:solidFill>
-                  <a:schemeClr val="tx1"/>
-                </a:solidFill>
-                <a:latin typeface="+mj-lt"/>
-                <a:ea typeface="+mj-ea"/>
-                <a:cs typeface="+mj-cs"/>
-              </a:defRPr>
-            </a:lvl1pPr>
-          </a:lstStyle>
-          <a:p>
-            <a:r>
-              <a:rPr lang="ru-RU" sz="4800" b="1" dirty="0">
-                <a:solidFill>
-                  <a:schemeClr val="bg1"/>
-                </a:solidFill>
-              </a:rPr>
-              <a:t>Скидка 50% </a:t>
-            </a:r>
-            <a:r>
-              <a:rPr lang="ru-RU" sz="4800" dirty="0">
-                <a:solidFill>
-                  <a:schemeClr val="bg1"/>
-                </a:solidFill>
-              </a:rPr>
-              <a:t>до 30 апреля</a:t>
-            </a:r>
-            <a:r>
-              <a:rPr lang="en-US" sz="4800" b="1" dirty="0">
-                <a:solidFill>
-                  <a:schemeClr val="bg1"/>
-                </a:solidFill>
-              </a:rPr>
-              <a:t> </a:t>
-            </a:r>
-            <a:r>
-              <a:rPr lang="ru-RU" sz="4800" dirty="0">
-                <a:solidFill>
-                  <a:schemeClr val="bg1"/>
-                </a:solidFill>
-              </a:rPr>
-              <a:t>по </a:t>
-            </a:r>
-            <a:r>
-              <a:rPr lang="ru-RU" sz="4800" dirty="0" err="1">
-                <a:solidFill>
-                  <a:schemeClr val="bg1"/>
-                </a:solidFill>
-              </a:rPr>
-              <a:t>промокоду</a:t>
-            </a:r>
-            <a:r>
-              <a:rPr lang="ru-RU" sz="4800" dirty="0">
-                <a:solidFill>
-                  <a:schemeClr val="bg1"/>
-                </a:solidFill>
-              </a:rPr>
-              <a:t> </a:t>
-            </a:r>
-            <a:r>
-              <a:rPr lang="en-US" sz="4800" b="1" u="sng" dirty="0">
-                <a:solidFill>
-                  <a:schemeClr val="bg1"/>
-                </a:solidFill>
-              </a:rPr>
-              <a:t>game-Stepan</a:t>
-            </a:r>
-            <a:endParaRPr lang="ru-RU" sz="4800" b="1" dirty="0">
-              <a:solidFill>
-                <a:schemeClr val="bg1"/>
-              </a:solidFill>
-            </a:endParaRPr>
-          </a:p>
-        </p:txBody>
-      </p:sp>
-      <p:pic>
-        <p:nvPicPr>
-          <p:cNvPr id="8" name="Рисунок 7">
-            <a:extLst>
-              <a:ext uri="{FF2B5EF4-FFF2-40B4-BE49-F238E27FC236}">
-                <a16:creationId xmlns:a16="http://schemas.microsoft.com/office/drawing/2014/main" id="{FACE3804-C8D5-4AA5-8DC8-651D34973443}"/>
-              </a:ext>
-            </a:extLst>
-          </p:cNvPr>
-          <p:cNvPicPr>
-            <a:picLocks noChangeAspect="1"/>
-          </p:cNvPicPr>
-          <p:nvPr/>
-        </p:nvPicPr>
-        <p:blipFill>
-          <a:blip r:embed="rId4">
-            <a:extLst>
-              <a:ext uri="{28A0092B-C50C-407E-A947-70E740481C1C}">
-                <a14:useLocalDpi xmlns:a14="http://schemas.microsoft.com/office/drawing/2010/main"/>
-              </a:ext>
-            </a:extLst>
-          </a:blip>
-          <a:stretch>
-            <a:fillRect/>
-          </a:stretch>
-        </p:blipFill>
-        <p:spPr>
-          <a:xfrm>
-            <a:off x="5519530" y="1693903"/>
-            <a:ext cx="5317435" cy="5317435"/>
-          </a:xfrm>
-          <a:prstGeom prst="rect">
-            <a:avLst/>
-          </a:prstGeom>
-        </p:spPr>
-      </p:pic>
-    </p:spTree>
-    <p:extLst>
-      <p:ext uri="{BB962C8B-B14F-4D97-AF65-F5344CB8AC3E}">
-        <p14:creationId xmlns:p14="http://schemas.microsoft.com/office/powerpoint/2010/main" val="4144811303"/>
-      </p:ext>
-    </p:extLst>
-  </p:cSld>
-  <p:clrMapOvr>
-    <a:masterClrMapping/>
-  </p:clrMapOvr>
-  <p:transition>
-    <p:fade/>
-  </p:transition>
-  <p:timing>
-    <p:tnLst>
-      <p:par>
-        <p:cTn id="1" dur="indefinite" restart="never" nodeType="tmRoot">
-          <p:childTnLst>
-            <p:seq concurrent="1" nextAc="seek">
-              <p:cTn id="2" dur="indefinite" nodeType="mainSeq">
-                <p:childTnLst>
-                  <p:par>
-                    <p:cTn id="3" fill="hold">
-                      <p:stCondLst>
-                        <p:cond delay="indefinite"/>
-                        <p:cond evt="onBegin" delay="0">
-                          <p:tn val="2"/>
-                        </p:cond>
-                      </p:stCondLst>
-                      <p:childTnLst>
-                        <p:par>
-                          <p:cTn id="4" fill="hold">
-                            <p:stCondLst>
-                              <p:cond delay="0"/>
-                            </p:stCondLst>
-                            <p:childTnLst>
-                              <p:par>
-                                <p:cTn id="5" presetID="10" presetClass="entr" presetSubtype="0" fill="hold" grpId="0" nodeType="withEffect">
-                                  <p:stCondLst>
-                                    <p:cond delay="0"/>
-                                  </p:stCondLst>
-                                  <p:iterate type="lt">
-                                    <p:tmPct val="4000"/>
-                                  </p:iterate>
-                                  <p:childTnLst>
-                                    <p:set>
-                                      <p:cBhvr>
-                                        <p:cTn id="6" dur="1" fill="hold">
-                                          <p:stCondLst>
-                                            <p:cond delay="0"/>
-                                          </p:stCondLst>
-                                        </p:cTn>
-                                        <p:tgtEl>
-                                          <p:spTgt spid="2"/>
-                                        </p:tgtEl>
-                                        <p:attrNameLst>
-                                          <p:attrName>style.visibility</p:attrName>
-                                        </p:attrNameLst>
-                                      </p:cBhvr>
-                                      <p:to>
-                                        <p:strVal val="visible"/>
-                                      </p:to>
-                                    </p:set>
-                                    <p:animEffect transition="in" filter="fade">
-                                      <p:cBhvr>
-                                        <p:cTn id="7" dur="500"/>
-                                        <p:tgtEl>
-                                          <p:spTgt spid="2"/>
-                                        </p:tgtEl>
-                                      </p:cBhvr>
-                                    </p:animEffect>
-                                  </p:childTnLst>
-                                </p:cTn>
-                              </p:par>
-                              <p:par>
-                                <p:cTn id="8" presetID="10" presetClass="entr" presetSubtype="0" fill="hold" grpId="0" nodeType="withEffect">
-                                  <p:stCondLst>
-                                    <p:cond delay="500"/>
-                                  </p:stCondLst>
-                                  <p:childTnLst>
-                                    <p:set>
-                                      <p:cBhvr>
-                                        <p:cTn id="9" dur="1" fill="hold">
-                                          <p:stCondLst>
-                                            <p:cond delay="0"/>
-                                          </p:stCondLst>
-                                        </p:cTn>
-                                        <p:tgtEl>
-                                          <p:spTgt spid="6"/>
-                                        </p:tgtEl>
-                                        <p:attrNameLst>
-                                          <p:attrName>style.visibility</p:attrName>
-                                        </p:attrNameLst>
-                                      </p:cBhvr>
-                                      <p:to>
-                                        <p:strVal val="visible"/>
-                                      </p:to>
-                                    </p:set>
-                                    <p:animEffect transition="in" filter="fade">
-                                      <p:cBhvr>
-                                        <p:cTn id="10" dur="250"/>
-                                        <p:tgtEl>
-                                          <p:spTgt spid="6"/>
-                                        </p:tgtEl>
-                                      </p:cBhvr>
-                                    </p:animEffect>
-                                  </p:childTnLst>
-                                </p:cTn>
-                              </p:par>
-                              <p:par>
-                                <p:cTn id="11" presetID="10" presetClass="entr" presetSubtype="0" fill="hold" grpId="0" nodeType="withEffect">
-                                  <p:stCondLst>
-                                    <p:cond delay="500"/>
-                                  </p:stCondLst>
-                                  <p:childTnLst>
-                                    <p:set>
-                                      <p:cBhvr>
-                                        <p:cTn id="12" dur="1" fill="hold">
-                                          <p:stCondLst>
-                                            <p:cond delay="0"/>
-                                          </p:stCondLst>
-                                        </p:cTn>
-                                        <p:tgtEl>
-                                          <p:spTgt spid="4"/>
-                                        </p:tgtEl>
-                                        <p:attrNameLst>
-                                          <p:attrName>style.visibility</p:attrName>
-                                        </p:attrNameLst>
-                                      </p:cBhvr>
-                                      <p:to>
-                                        <p:strVal val="visible"/>
-                                      </p:to>
-                                    </p:set>
-                                    <p:animEffect transition="in" filter="fade">
-                                      <p:cBhvr>
-                                        <p:cTn id="13" dur="250"/>
-                                        <p:tgtEl>
-                                          <p:spTgt spid="4"/>
-                                        </p:tgtEl>
-                                      </p:cBhvr>
-                                    </p:animEffect>
-                                  </p:childTnLst>
-                                </p:cTn>
-                              </p:par>
-                              <p:par>
-                                <p:cTn id="14" presetID="18" presetClass="entr" presetSubtype="6" fill="hold" nodeType="withEffect">
-                                  <p:stCondLst>
-                                    <p:cond delay="500"/>
-                                  </p:stCondLst>
-                                  <p:childTnLst>
-                                    <p:set>
-                                      <p:cBhvr>
-                                        <p:cTn id="15" dur="1" fill="hold">
-                                          <p:stCondLst>
-                                            <p:cond delay="0"/>
-                                          </p:stCondLst>
-                                        </p:cTn>
-                                        <p:tgtEl>
-                                          <p:spTgt spid="8"/>
-                                        </p:tgtEl>
-                                        <p:attrNameLst>
-                                          <p:attrName>style.visibility</p:attrName>
-                                        </p:attrNameLst>
-                                      </p:cBhvr>
-                                      <p:to>
-                                        <p:strVal val="visible"/>
-                                      </p:to>
-                                    </p:set>
-                                    <p:animEffect transition="in" filter="strips(downRight)">
-                                      <p:cBhvr>
-                                        <p:cTn id="16" dur="500"/>
-                                        <p:tgtEl>
-                                          <p:spTgt spid="8"/>
-                                        </p:tgtEl>
-                                      </p:cBhvr>
-                                    </p:animEffect>
-                                  </p:childTnLst>
-                                </p:cTn>
-                              </p:par>
-                            </p:childTnLst>
-                          </p:cTn>
-                        </p:par>
-                      </p:childTnLst>
-                    </p:cTn>
-                  </p:par>
-                </p:childTnLst>
-              </p:cTn>
-              <p:prevCondLst>
-                <p:cond evt="onPrev" delay="0">
-                  <p:tgtEl>
-                    <p:sldTgt/>
-                  </p:tgtEl>
-                </p:cond>
-              </p:prevCondLst>
-              <p:nextCondLst>
-                <p:cond evt="onNext" delay="0">
-                  <p:tgtEl>
-                    <p:sldTgt/>
-                  </p:tgtEl>
-                </p:cond>
-              </p:nextCondLst>
-            </p:seq>
-          </p:childTnLst>
-        </p:cTn>
-      </p:par>
-    </p:tnLst>
-    <p:bldLst>
-      <p:bldP spid="2" grpId="0"/>
-      <p:bldP spid="4" grpId="0" animBg="1"/>
-      <p:bldP spid="6" grpId="0"/>
-    </p:bldLst>
-  </p:timing>
-</p:sld>
-</file>
-
 <file path=ppt/theme/theme1.xml><?xml version="1.0" encoding="utf-8"?>
 <a:theme xmlns:a="http://schemas.openxmlformats.org/drawingml/2006/main" name="Тема Office">
   <a:themeElements>
